--- a/Huaxia_Zhao.pptx
+++ b/Huaxia_Zhao.pptx
@@ -9034,7 +9034,7 @@
                 <a:latin typeface="Times New Roman" panose="02020603050405020304" pitchFamily="18" charset="0"/>
                 <a:ea typeface="宋体" panose="02010600030101010101" pitchFamily="2" charset="-122"/>
               </a:rPr>
-              <a:t>WEIGHT_GREENHOUSE_GAS=0.05</a:t>
+              <a:t>WEIGHT_GREENHOUSE_GAS=0.01</a:t>
             </a:r>
           </a:p>
           <a:p>
@@ -9090,7 +9090,7 @@
                 <a:latin typeface="Times New Roman" panose="02020603050405020304" pitchFamily="18" charset="0"/>
                 <a:ea typeface="宋体" panose="02010600030101010101" pitchFamily="2" charset="-122"/>
               </a:rPr>
-              <a:t> = lambda x: 0 if x == -1 else (x * 10)</a:t>
+              <a:t> = lambda x: 0 if x == -1 else (x * 5)</a:t>
             </a:r>
             <a:endParaRPr lang="zh-CN" altLang="zh-CN" sz="1800" dirty="0">
               <a:effectLst/>
@@ -9115,7 +9115,7 @@
           <p:nvPr>
             <p:extLst>
               <p:ext uri="{D42A27DB-BD31-4B8C-83A1-F6EECF244321}">
-                <p14:modId xmlns:p14="http://schemas.microsoft.com/office/powerpoint/2010/main" val="890582375"/>
+                <p14:modId xmlns:p14="http://schemas.microsoft.com/office/powerpoint/2010/main" val="2638214132"/>
               </p:ext>
             </p:extLst>
           </p:nvPr>
@@ -9384,7 +9384,7 @@
                         <a:rPr lang="en-US" altLang="zh-CN" sz="1600" u="none" strike="noStrike" dirty="0">
                           <a:effectLst/>
                         </a:rPr>
-                        <a:t>10</a:t>
+                        <a:t>5</a:t>
                       </a:r>
                       <a:endParaRPr lang="en-US" altLang="zh-CN" sz="1600" b="0" i="0" u="none" strike="noStrike" dirty="0">
                         <a:solidFill>
@@ -9535,7 +9535,7 @@
                         <a:rPr lang="en-US" altLang="zh-CN" sz="1600" u="none" strike="noStrike" dirty="0">
                           <a:effectLst/>
                         </a:rPr>
-                        <a:t>20</a:t>
+                        <a:t>10</a:t>
                       </a:r>
                       <a:endParaRPr lang="en-US" altLang="zh-CN" sz="1600" b="0" i="0" u="none" strike="noStrike" dirty="0">
                         <a:solidFill>
@@ -9686,7 +9686,7 @@
                         <a:rPr lang="en-US" altLang="zh-CN" sz="1600" u="none" strike="noStrike" dirty="0">
                           <a:effectLst/>
                         </a:rPr>
-                        <a:t>30</a:t>
+                        <a:t>15</a:t>
                       </a:r>
                       <a:endParaRPr lang="en-US" altLang="zh-CN" sz="1600" b="0" i="0" u="none" strike="noStrike" dirty="0">
                         <a:solidFill>
@@ -9837,7 +9837,7 @@
                         <a:rPr lang="en-US" altLang="zh-CN" sz="1600" u="none" strike="noStrike" dirty="0">
                           <a:effectLst/>
                         </a:rPr>
-                        <a:t>40</a:t>
+                        <a:t>20</a:t>
                       </a:r>
                       <a:endParaRPr lang="en-US" altLang="zh-CN" sz="1600" b="0" i="0" u="none" strike="noStrike" dirty="0">
                         <a:solidFill>
@@ -9985,12 +9985,12 @@
                     <a:p>
                       <a:pPr algn="ctr" fontAlgn="b"/>
                       <a:r>
-                        <a:rPr lang="en-US" altLang="zh-CN" sz="1600" u="none" strike="noStrike">
+                        <a:rPr lang="en-US" altLang="zh-CN" sz="1600" u="none" strike="noStrike" dirty="0">
                           <a:effectLst/>
                         </a:rPr>
-                        <a:t>50</a:t>
+                        <a:t>25</a:t>
                       </a:r>
-                      <a:endParaRPr lang="en-US" altLang="zh-CN" sz="1600" b="0" i="0" u="none" strike="noStrike">
+                      <a:endParaRPr lang="en-US" altLang="zh-CN" sz="1600" b="0" i="0" u="none" strike="noStrike" dirty="0">
                         <a:solidFill>
                           <a:srgbClr val="000000"/>
                         </a:solidFill>
@@ -10136,12 +10136,12 @@
                     <a:p>
                       <a:pPr algn="ctr" fontAlgn="b"/>
                       <a:r>
-                        <a:rPr lang="en-US" altLang="zh-CN" sz="1600" u="none" strike="noStrike">
+                        <a:rPr lang="en-US" altLang="zh-CN" sz="1600" u="none" strike="noStrike" dirty="0">
                           <a:effectLst/>
                         </a:rPr>
-                        <a:t>60</a:t>
+                        <a:t>30</a:t>
                       </a:r>
-                      <a:endParaRPr lang="en-US" altLang="zh-CN" sz="1600" b="0" i="0" u="none" strike="noStrike">
+                      <a:endParaRPr lang="en-US" altLang="zh-CN" sz="1600" b="0" i="0" u="none" strike="noStrike" dirty="0">
                         <a:solidFill>
                           <a:srgbClr val="000000"/>
                         </a:solidFill>
@@ -10287,12 +10287,12 @@
                     <a:p>
                       <a:pPr algn="ctr" fontAlgn="b"/>
                       <a:r>
-                        <a:rPr lang="en-US" altLang="zh-CN" sz="1600" u="none" strike="noStrike">
+                        <a:rPr lang="en-US" altLang="zh-CN" sz="1600" u="none" strike="noStrike" dirty="0">
                           <a:effectLst/>
                         </a:rPr>
-                        <a:t>70</a:t>
+                        <a:t>35</a:t>
                       </a:r>
-                      <a:endParaRPr lang="en-US" altLang="zh-CN" sz="1600" b="0" i="0" u="none" strike="noStrike">
+                      <a:endParaRPr lang="en-US" altLang="zh-CN" sz="1600" b="0" i="0" u="none" strike="noStrike" dirty="0">
                         <a:solidFill>
                           <a:srgbClr val="000000"/>
                         </a:solidFill>
@@ -13058,6 +13058,115 @@
           </a:p>
         </p:txBody>
       </p:sp>
+      <p:sp>
+        <p:nvSpPr>
+          <p:cNvPr id="8" name="文本框 7">
+            <a:extLst>
+              <a:ext uri="{FF2B5EF4-FFF2-40B4-BE49-F238E27FC236}">
+                <a16:creationId xmlns:a16="http://schemas.microsoft.com/office/drawing/2014/main" id="{EAF9167E-8C72-4053-84E1-9C3C9C12EEAA}"/>
+              </a:ext>
+            </a:extLst>
+          </p:cNvPr>
+          <p:cNvSpPr txBox="1"/>
+          <p:nvPr/>
+        </p:nvSpPr>
+        <p:spPr>
+          <a:xfrm>
+            <a:off x="8868308" y="3482078"/>
+            <a:ext cx="2376264" cy="369332"/>
+          </a:xfrm>
+          <a:prstGeom prst="rect">
+            <a:avLst/>
+          </a:prstGeom>
+          <a:noFill/>
+        </p:spPr>
+        <p:txBody>
+          <a:bodyPr wrap="square" rtlCol="0">
+            <a:spAutoFit/>
+          </a:bodyPr>
+          <a:lstStyle/>
+          <a:p>
+            <a:pPr algn="ctr"/>
+            <a:r>
+              <a:rPr lang="en-US" altLang="zh-CN" sz="1800" dirty="0"/>
+              <a:t>Policy Gradient</a:t>
+            </a:r>
+            <a:endParaRPr lang="zh-CN" altLang="en-US" sz="1800" dirty="0"/>
+          </a:p>
+        </p:txBody>
+      </p:sp>
+      <p:sp>
+        <p:nvSpPr>
+          <p:cNvPr id="9" name="文本框 8">
+            <a:extLst>
+              <a:ext uri="{FF2B5EF4-FFF2-40B4-BE49-F238E27FC236}">
+                <a16:creationId xmlns:a16="http://schemas.microsoft.com/office/drawing/2014/main" id="{7694D378-DCDA-49D8-85AA-8F107DE354D8}"/>
+              </a:ext>
+            </a:extLst>
+          </p:cNvPr>
+          <p:cNvSpPr txBox="1"/>
+          <p:nvPr/>
+        </p:nvSpPr>
+        <p:spPr>
+          <a:xfrm>
+            <a:off x="4727828" y="5540090"/>
+            <a:ext cx="2376264" cy="369332"/>
+          </a:xfrm>
+          <a:prstGeom prst="rect">
+            <a:avLst/>
+          </a:prstGeom>
+          <a:noFill/>
+        </p:spPr>
+        <p:txBody>
+          <a:bodyPr wrap="square" rtlCol="0">
+            <a:spAutoFit/>
+          </a:bodyPr>
+          <a:lstStyle/>
+          <a:p>
+            <a:pPr algn="ctr"/>
+            <a:r>
+              <a:rPr lang="en-US" altLang="zh-CN" sz="1800" dirty="0"/>
+              <a:t>DQN</a:t>
+            </a:r>
+          </a:p>
+        </p:txBody>
+      </p:sp>
+      <p:pic>
+        <p:nvPicPr>
+          <p:cNvPr id="4" name="图片 3" descr="图表&#10;&#10;描述已自动生成">
+            <a:extLst>
+              <a:ext uri="{FF2B5EF4-FFF2-40B4-BE49-F238E27FC236}">
+                <a16:creationId xmlns:a16="http://schemas.microsoft.com/office/drawing/2014/main" id="{CF640ED5-A514-42A2-8C5A-F3F9708076A9}"/>
+              </a:ext>
+            </a:extLst>
+          </p:cNvPr>
+          <p:cNvPicPr>
+            <a:picLocks noChangeAspect="1"/>
+          </p:cNvPicPr>
+          <p:nvPr/>
+        </p:nvPicPr>
+        <p:blipFill>
+          <a:blip r:embed="rId4">
+            <a:extLst>
+              <a:ext uri="{28A0092B-C50C-407E-A947-70E740481C1C}">
+                <a14:useLocalDpi xmlns:a14="http://schemas.microsoft.com/office/drawing/2010/main" val="0"/>
+              </a:ext>
+            </a:extLst>
+          </a:blip>
+          <a:stretch>
+            <a:fillRect/>
+          </a:stretch>
+        </p:blipFill>
+        <p:spPr>
+          <a:xfrm>
+            <a:off x="8436084" y="1185499"/>
+            <a:ext cx="2847174" cy="2135380"/>
+          </a:xfrm>
+          <a:prstGeom prst="rect">
+            <a:avLst/>
+          </a:prstGeom>
+        </p:spPr>
+      </p:pic>
     </p:spTree>
     <p:extLst>
       <p:ext uri="{BB962C8B-B14F-4D97-AF65-F5344CB8AC3E}">
@@ -15257,6 +15366,15 @@
 </file>
 
 <file path=customXml/item1.xml><?xml version="1.0" encoding="utf-8"?>
+<?mso-contentType ?>
+<FormTemplates xmlns="http://schemas.microsoft.com/sharepoint/v3/contenttype/forms">
+  <Display>DocumentLibraryForm</Display>
+  <Edit>DocumentLibraryForm</Edit>
+  <New>DocumentLibraryForm</New>
+</FormTemplates>
+</file>
+
+<file path=customXml/item2.xml><?xml version="1.0" encoding="utf-8"?>
 <ct:contentTypeSchema xmlns:ct="http://schemas.microsoft.com/office/2006/metadata/contentType" xmlns:ma="http://schemas.microsoft.com/office/2006/metadata/properties/metaAttributes" ct:_="" ma:_="" ma:contentTypeName="Document" ma:contentTypeID="0x010100D02CFA589F9E7740BDE0A3672BFB975C" ma:contentTypeVersion="0" ma:contentTypeDescription="Create a new document." ma:contentTypeScope="" ma:versionID="739408c322c98f3175880815c8f88c03">
   <xsd:schema xmlns:xsd="http://www.w3.org/2001/XMLSchema" xmlns:xs="http://www.w3.org/2001/XMLSchema" xmlns:p="http://schemas.microsoft.com/office/2006/metadata/properties" targetNamespace="http://schemas.microsoft.com/office/2006/metadata/properties" ma:root="true" ma:fieldsID="589731340272b8660d43b3807a543736">
     <xsd:element name="properties">
@@ -15370,15 +15488,6 @@
 </ct:contentTypeSchema>
 </file>
 
-<file path=customXml/item2.xml><?xml version="1.0" encoding="utf-8"?>
-<?mso-contentType ?>
-<FormTemplates xmlns="http://schemas.microsoft.com/sharepoint/v3/contenttype/forms">
-  <Display>DocumentLibraryForm</Display>
-  <Edit>DocumentLibraryForm</Edit>
-  <New>DocumentLibraryForm</New>
-</FormTemplates>
-</file>
-
 <file path=customXml/item3.xml><?xml version="1.0" encoding="utf-8"?>
 <p:properties xmlns:p="http://schemas.microsoft.com/office/2006/metadata/properties" xmlns:xsi="http://www.w3.org/2001/XMLSchema-instance" xmlns:pc="http://schemas.microsoft.com/office/infopath/2007/PartnerControls">
   <documentManagement/>
@@ -15386,6 +15495,14 @@
 </file>
 
 <file path=customXml/itemProps1.xml><?xml version="1.0" encoding="utf-8"?>
+<ds:datastoreItem xmlns:ds="http://schemas.openxmlformats.org/officeDocument/2006/customXml" ds:itemID="{118FDC25-4102-4BC3-995E-ABA197796525}">
+  <ds:schemaRefs>
+    <ds:schemaRef ds:uri="http://schemas.microsoft.com/sharepoint/v3/contenttype/forms"/>
+  </ds:schemaRefs>
+</ds:datastoreItem>
+</file>
+
+<file path=customXml/itemProps2.xml><?xml version="1.0" encoding="utf-8"?>
 <ds:datastoreItem xmlns:ds="http://schemas.openxmlformats.org/officeDocument/2006/customXml" ds:itemID="{ACD66FD5-F46C-4FDE-8F20-169A8038E4B9}">
   <ds:schemaRefs>
     <ds:schemaRef ds:uri="http://schemas.microsoft.com/office/2006/metadata/contentType"/>
@@ -15397,14 +15514,6 @@
     <ds:schemaRef ds:uri="http://purl.org/dc/terms/"/>
     <ds:schemaRef ds:uri="http://schemas.microsoft.com/internal/obd"/>
     <ds:schemaRef ds:uri="http://schemas.microsoft.com/office/infopath/2007/PartnerControls"/>
-  </ds:schemaRefs>
-</ds:datastoreItem>
-</file>
-
-<file path=customXml/itemProps2.xml><?xml version="1.0" encoding="utf-8"?>
-<ds:datastoreItem xmlns:ds="http://schemas.openxmlformats.org/officeDocument/2006/customXml" ds:itemID="{118FDC25-4102-4BC3-995E-ABA197796525}">
-  <ds:schemaRefs>
-    <ds:schemaRef ds:uri="http://schemas.microsoft.com/sharepoint/v3/contenttype/forms"/>
   </ds:schemaRefs>
 </ds:datastoreItem>
 </file>

--- a/Huaxia_Zhao.pptx
+++ b/Huaxia_Zhao.pptx
@@ -13072,7 +13072,7 @@
         </p:nvSpPr>
         <p:spPr>
           <a:xfrm>
-            <a:off x="8868308" y="3482078"/>
+            <a:off x="8544272" y="3482078"/>
             <a:ext cx="2376264" cy="369332"/>
           </a:xfrm>
           <a:prstGeom prst="rect">
@@ -13161,6 +13161,42 @@
           <a:xfrm>
             <a:off x="8436084" y="1185499"/>
             <a:ext cx="2847174" cy="2135380"/>
+          </a:xfrm>
+          <a:prstGeom prst="rect">
+            <a:avLst/>
+          </a:prstGeom>
+        </p:spPr>
+      </p:pic>
+      <p:pic>
+        <p:nvPicPr>
+          <p:cNvPr id="10" name="图片 9" descr="图表&#10;&#10;描述已自动生成">
+            <a:extLst>
+              <a:ext uri="{FF2B5EF4-FFF2-40B4-BE49-F238E27FC236}">
+                <a16:creationId xmlns:a16="http://schemas.microsoft.com/office/drawing/2014/main" id="{8864C915-9C21-4BCC-AB79-317F44BA60F0}"/>
+              </a:ext>
+            </a:extLst>
+          </p:cNvPr>
+          <p:cNvPicPr>
+            <a:picLocks noChangeAspect="1"/>
+          </p:cNvPicPr>
+          <p:nvPr/>
+        </p:nvPicPr>
+        <p:blipFill>
+          <a:blip r:embed="rId5" cstate="print">
+            <a:extLst>
+              <a:ext uri="{28A0092B-C50C-407E-A947-70E740481C1C}">
+                <a14:useLocalDpi xmlns:a14="http://schemas.microsoft.com/office/drawing/2010/main" val="0"/>
+              </a:ext>
+            </a:extLst>
+          </a:blip>
+          <a:stretch>
+            <a:fillRect/>
+          </a:stretch>
+        </p:blipFill>
+        <p:spPr>
+          <a:xfrm>
+            <a:off x="4472890" y="3966720"/>
+            <a:ext cx="3072117" cy="1569660"/>
           </a:xfrm>
           <a:prstGeom prst="rect">
             <a:avLst/>
@@ -15366,15 +15402,6 @@
 </file>
 
 <file path=customXml/item1.xml><?xml version="1.0" encoding="utf-8"?>
-<?mso-contentType ?>
-<FormTemplates xmlns="http://schemas.microsoft.com/sharepoint/v3/contenttype/forms">
-  <Display>DocumentLibraryForm</Display>
-  <Edit>DocumentLibraryForm</Edit>
-  <New>DocumentLibraryForm</New>
-</FormTemplates>
-</file>
-
-<file path=customXml/item2.xml><?xml version="1.0" encoding="utf-8"?>
 <ct:contentTypeSchema xmlns:ct="http://schemas.microsoft.com/office/2006/metadata/contentType" xmlns:ma="http://schemas.microsoft.com/office/2006/metadata/properties/metaAttributes" ct:_="" ma:_="" ma:contentTypeName="Document" ma:contentTypeID="0x010100D02CFA589F9E7740BDE0A3672BFB975C" ma:contentTypeVersion="0" ma:contentTypeDescription="Create a new document." ma:contentTypeScope="" ma:versionID="739408c322c98f3175880815c8f88c03">
   <xsd:schema xmlns:xsd="http://www.w3.org/2001/XMLSchema" xmlns:xs="http://www.w3.org/2001/XMLSchema" xmlns:p="http://schemas.microsoft.com/office/2006/metadata/properties" targetNamespace="http://schemas.microsoft.com/office/2006/metadata/properties" ma:root="true" ma:fieldsID="589731340272b8660d43b3807a543736">
     <xsd:element name="properties">
@@ -15488,6 +15515,15 @@
 </ct:contentTypeSchema>
 </file>
 
+<file path=customXml/item2.xml><?xml version="1.0" encoding="utf-8"?>
+<?mso-contentType ?>
+<FormTemplates xmlns="http://schemas.microsoft.com/sharepoint/v3/contenttype/forms">
+  <Display>DocumentLibraryForm</Display>
+  <Edit>DocumentLibraryForm</Edit>
+  <New>DocumentLibraryForm</New>
+</FormTemplates>
+</file>
+
 <file path=customXml/item3.xml><?xml version="1.0" encoding="utf-8"?>
 <p:properties xmlns:p="http://schemas.microsoft.com/office/2006/metadata/properties" xmlns:xsi="http://www.w3.org/2001/XMLSchema-instance" xmlns:pc="http://schemas.microsoft.com/office/infopath/2007/PartnerControls">
   <documentManagement/>
@@ -15495,14 +15531,6 @@
 </file>
 
 <file path=customXml/itemProps1.xml><?xml version="1.0" encoding="utf-8"?>
-<ds:datastoreItem xmlns:ds="http://schemas.openxmlformats.org/officeDocument/2006/customXml" ds:itemID="{118FDC25-4102-4BC3-995E-ABA197796525}">
-  <ds:schemaRefs>
-    <ds:schemaRef ds:uri="http://schemas.microsoft.com/sharepoint/v3/contenttype/forms"/>
-  </ds:schemaRefs>
-</ds:datastoreItem>
-</file>
-
-<file path=customXml/itemProps2.xml><?xml version="1.0" encoding="utf-8"?>
 <ds:datastoreItem xmlns:ds="http://schemas.openxmlformats.org/officeDocument/2006/customXml" ds:itemID="{ACD66FD5-F46C-4FDE-8F20-169A8038E4B9}">
   <ds:schemaRefs>
     <ds:schemaRef ds:uri="http://schemas.microsoft.com/office/2006/metadata/contentType"/>
@@ -15514,6 +15542,14 @@
     <ds:schemaRef ds:uri="http://purl.org/dc/terms/"/>
     <ds:schemaRef ds:uri="http://schemas.microsoft.com/internal/obd"/>
     <ds:schemaRef ds:uri="http://schemas.microsoft.com/office/infopath/2007/PartnerControls"/>
+  </ds:schemaRefs>
+</ds:datastoreItem>
+</file>
+
+<file path=customXml/itemProps2.xml><?xml version="1.0" encoding="utf-8"?>
+<ds:datastoreItem xmlns:ds="http://schemas.openxmlformats.org/officeDocument/2006/customXml" ds:itemID="{118FDC25-4102-4BC3-995E-ABA197796525}">
+  <ds:schemaRefs>
+    <ds:schemaRef ds:uri="http://schemas.microsoft.com/sharepoint/v3/contenttype/forms"/>
   </ds:schemaRefs>
 </ds:datastoreItem>
 </file>
